--- a/STEP-RoadShow.pptx
+++ b/STEP-RoadShow.pptx
@@ -8848,7 +8848,7 @@
               </a:lnSpc>
             </a:pPr>
             <a:r>
-              <a:rPr lang="en-US" sz="3600" smtClean="0">
+              <a:rPr lang="en-US" sz="3600" dirty="0" smtClean="0">
                 <a:solidFill>
                   <a:schemeClr val="lt1"/>
                 </a:solidFill>
